--- a/소공 설계서/액티비티 다이어그램.pptx
+++ b/소공 설계서/액티비티 다이어그램.pptx
@@ -214,7 +214,7 @@
           <a:p>
             <a:fld id="{4B4FD927-B953-47FA-A2D6-BEDA69EC8022}" type="datetimeFigureOut">
               <a:rPr lang="ko-KR" altLang="en-US" smtClean="0"/>
-              <a:t>2018-11-12</a:t>
+              <a:t>2018-11-13</a:t>
             </a:fld>
             <a:endParaRPr lang="ko-KR" altLang="en-US"/>
           </a:p>
@@ -612,7 +612,7 @@
           <a:p>
             <a:fld id="{87DE40D3-E303-490F-B2FA-9FFA7B1D1600}" type="datetimeFigureOut">
               <a:rPr lang="ko-KR" altLang="en-US" smtClean="0"/>
-              <a:t>2018-11-12</a:t>
+              <a:t>2018-11-13</a:t>
             </a:fld>
             <a:endParaRPr lang="ko-KR" altLang="en-US"/>
           </a:p>
@@ -782,7 +782,7 @@
           <a:p>
             <a:fld id="{87DE40D3-E303-490F-B2FA-9FFA7B1D1600}" type="datetimeFigureOut">
               <a:rPr lang="ko-KR" altLang="en-US" smtClean="0"/>
-              <a:t>2018-11-12</a:t>
+              <a:t>2018-11-13</a:t>
             </a:fld>
             <a:endParaRPr lang="ko-KR" altLang="en-US"/>
           </a:p>
@@ -1153,7 +1153,7 @@
           <a:p>
             <a:fld id="{87DE40D3-E303-490F-B2FA-9FFA7B1D1600}" type="datetimeFigureOut">
               <a:rPr lang="ko-KR" altLang="en-US" smtClean="0"/>
-              <a:t>2018-11-12</a:t>
+              <a:t>2018-11-13</a:t>
             </a:fld>
             <a:endParaRPr lang="ko-KR" altLang="en-US"/>
           </a:p>
@@ -1397,7 +1397,7 @@
           <a:p>
             <a:fld id="{87DE40D3-E303-490F-B2FA-9FFA7B1D1600}" type="datetimeFigureOut">
               <a:rPr lang="ko-KR" altLang="en-US" smtClean="0"/>
-              <a:t>2018-11-12</a:t>
+              <a:t>2018-11-13</a:t>
             </a:fld>
             <a:endParaRPr lang="ko-KR" altLang="en-US"/>
           </a:p>
@@ -1629,7 +1629,7 @@
           <a:p>
             <a:fld id="{87DE40D3-E303-490F-B2FA-9FFA7B1D1600}" type="datetimeFigureOut">
               <a:rPr lang="ko-KR" altLang="en-US" smtClean="0"/>
-              <a:t>2018-11-12</a:t>
+              <a:t>2018-11-13</a:t>
             </a:fld>
             <a:endParaRPr lang="ko-KR" altLang="en-US"/>
           </a:p>
@@ -1996,7 +1996,7 @@
           <a:p>
             <a:fld id="{87DE40D3-E303-490F-B2FA-9FFA7B1D1600}" type="datetimeFigureOut">
               <a:rPr lang="ko-KR" altLang="en-US" smtClean="0"/>
-              <a:t>2018-11-12</a:t>
+              <a:t>2018-11-13</a:t>
             </a:fld>
             <a:endParaRPr lang="ko-KR" altLang="en-US"/>
           </a:p>
@@ -2114,7 +2114,7 @@
           <a:p>
             <a:fld id="{87DE40D3-E303-490F-B2FA-9FFA7B1D1600}" type="datetimeFigureOut">
               <a:rPr lang="ko-KR" altLang="en-US" smtClean="0"/>
-              <a:t>2018-11-12</a:t>
+              <a:t>2018-11-13</a:t>
             </a:fld>
             <a:endParaRPr lang="ko-KR" altLang="en-US"/>
           </a:p>
@@ -2209,7 +2209,7 @@
           <a:p>
             <a:fld id="{87DE40D3-E303-490F-B2FA-9FFA7B1D1600}" type="datetimeFigureOut">
               <a:rPr lang="ko-KR" altLang="en-US" smtClean="0"/>
-              <a:t>2018-11-12</a:t>
+              <a:t>2018-11-13</a:t>
             </a:fld>
             <a:endParaRPr lang="ko-KR" altLang="en-US"/>
           </a:p>
@@ -2486,7 +2486,7 @@
           <a:p>
             <a:fld id="{87DE40D3-E303-490F-B2FA-9FFA7B1D1600}" type="datetimeFigureOut">
               <a:rPr lang="ko-KR" altLang="en-US" smtClean="0"/>
-              <a:t>2018-11-12</a:t>
+              <a:t>2018-11-13</a:t>
             </a:fld>
             <a:endParaRPr lang="ko-KR" altLang="en-US"/>
           </a:p>
@@ -2743,7 +2743,7 @@
           <a:p>
             <a:fld id="{87DE40D3-E303-490F-B2FA-9FFA7B1D1600}" type="datetimeFigureOut">
               <a:rPr lang="ko-KR" altLang="en-US" smtClean="0"/>
-              <a:t>2018-11-12</a:t>
+              <a:t>2018-11-13</a:t>
             </a:fld>
             <a:endParaRPr lang="ko-KR" altLang="en-US"/>
           </a:p>
@@ -2956,7 +2956,7 @@
           <a:p>
             <a:fld id="{87DE40D3-E303-490F-B2FA-9FFA7B1D1600}" type="datetimeFigureOut">
               <a:rPr lang="ko-KR" altLang="en-US" smtClean="0"/>
-              <a:t>2018-11-12</a:t>
+              <a:t>2018-11-13</a:t>
             </a:fld>
             <a:endParaRPr lang="ko-KR" altLang="en-US"/>
           </a:p>
@@ -7585,49 +7585,6 @@
           </a:p>
         </p:txBody>
       </p:sp>
-      <p:cxnSp>
-        <p:nvCxnSpPr>
-          <p:cNvPr id="5" name="연결선: 꺾임 4">
-            <a:extLst>
-              <a:ext uri="{FF2B5EF4-FFF2-40B4-BE49-F238E27FC236}">
-                <a16:creationId xmlns:a16="http://schemas.microsoft.com/office/drawing/2014/main" id="{77E4D37F-EE05-41D1-8C33-8690D8044859}"/>
-              </a:ext>
-            </a:extLst>
-          </p:cNvPr>
-          <p:cNvCxnSpPr>
-            <a:cxnSpLocks/>
-            <a:stCxn id="44" idx="2"/>
-            <a:endCxn id="38" idx="6"/>
-          </p:cNvCxnSpPr>
-          <p:nvPr/>
-        </p:nvCxnSpPr>
-        <p:spPr>
-          <a:xfrm rot="5400000">
-            <a:off x="1699333" y="6247648"/>
-            <a:ext cx="3437203" cy="1061519"/>
-          </a:xfrm>
-          <a:prstGeom prst="bentConnector2">
-            <a:avLst/>
-          </a:prstGeom>
-          <a:ln>
-            <a:tailEnd type="triangle"/>
-          </a:ln>
-        </p:spPr>
-        <p:style>
-          <a:lnRef idx="1">
-            <a:schemeClr val="accent1"/>
-          </a:lnRef>
-          <a:fillRef idx="0">
-            <a:schemeClr val="accent1"/>
-          </a:fillRef>
-          <a:effectRef idx="0">
-            <a:schemeClr val="accent1"/>
-          </a:effectRef>
-          <a:fontRef idx="minor">
-            <a:schemeClr val="tx1"/>
-          </a:fontRef>
-        </p:style>
-      </p:cxnSp>
       <p:sp>
         <p:nvSpPr>
           <p:cNvPr id="7" name="TextBox 6">
@@ -7848,64 +7805,16 @@
           <p:cNvCxnSpPr>
             <a:cxnSpLocks/>
             <a:stCxn id="68" idx="1"/>
-            <a:endCxn id="38" idx="2"/>
           </p:cNvCxnSpPr>
           <p:nvPr/>
         </p:nvCxnSpPr>
         <p:spPr>
-          <a:xfrm rot="10800000" flipH="1" flipV="1">
-            <a:off x="458718" y="4186073"/>
-            <a:ext cx="1806833" cy="4310935"/>
-          </a:xfrm>
-          <a:prstGeom prst="bentConnector3">
-            <a:avLst>
-              <a:gd name="adj1" fmla="val -12652"/>
-            </a:avLst>
-          </a:prstGeom>
-          <a:ln>
-            <a:tailEnd type="triangle"/>
-          </a:ln>
-        </p:spPr>
-        <p:style>
-          <a:lnRef idx="1">
-            <a:schemeClr val="accent1"/>
-          </a:lnRef>
-          <a:fillRef idx="0">
-            <a:schemeClr val="accent1"/>
-          </a:fillRef>
-          <a:effectRef idx="0">
-            <a:schemeClr val="accent1"/>
-          </a:effectRef>
-          <a:fontRef idx="minor">
-            <a:schemeClr val="tx1"/>
-          </a:fontRef>
-        </p:style>
-      </p:cxnSp>
-      <p:cxnSp>
-        <p:nvCxnSpPr>
-          <p:cNvPr id="37" name="연결선: 꺾임 36">
-            <a:extLst>
-              <a:ext uri="{FF2B5EF4-FFF2-40B4-BE49-F238E27FC236}">
-                <a16:creationId xmlns:a16="http://schemas.microsoft.com/office/drawing/2014/main" id="{681C7322-225E-4F84-94E3-1601AEBE4F16}"/>
-              </a:ext>
-            </a:extLst>
-          </p:cNvPr>
-          <p:cNvCxnSpPr>
-            <a:cxnSpLocks/>
-            <a:stCxn id="35" idx="2"/>
-            <a:endCxn id="38" idx="0"/>
-          </p:cNvCxnSpPr>
-          <p:nvPr/>
-        </p:nvCxnSpPr>
-        <p:spPr>
-          <a:xfrm rot="16200000" flipH="1">
-            <a:off x="610563" y="6238131"/>
-            <a:ext cx="2579595" cy="1352005"/>
-          </a:xfrm>
-          <a:prstGeom prst="bentConnector3">
-            <a:avLst>
-              <a:gd name="adj1" fmla="val 50000"/>
-            </a:avLst>
+          <a:xfrm rot="10800000" flipV="1">
+            <a:off x="321751" y="4186074"/>
+            <a:ext cx="136969" cy="2950926"/>
+          </a:xfrm>
+          <a:prstGeom prst="bentConnector2">
+            <a:avLst/>
           </a:prstGeom>
           <a:ln>
             <a:tailEnd type="triangle"/>
@@ -8718,6 +8627,171 @@
           </a:p>
         </p:txBody>
       </p:sp>
+      <p:cxnSp>
+        <p:nvCxnSpPr>
+          <p:cNvPr id="6" name="직선 연결선 5">
+            <a:extLst>
+              <a:ext uri="{FF2B5EF4-FFF2-40B4-BE49-F238E27FC236}">
+                <a16:creationId xmlns:a16="http://schemas.microsoft.com/office/drawing/2014/main" id="{47D6A668-7E85-4C51-A25A-A149FBB854E1}"/>
+              </a:ext>
+            </a:extLst>
+          </p:cNvPr>
+          <p:cNvCxnSpPr>
+            <a:cxnSpLocks/>
+          </p:cNvCxnSpPr>
+          <p:nvPr/>
+        </p:nvCxnSpPr>
+        <p:spPr>
+          <a:xfrm>
+            <a:off x="0" y="7137000"/>
+            <a:ext cx="4489542" cy="0"/>
+          </a:xfrm>
+          <a:prstGeom prst="line">
+            <a:avLst/>
+          </a:prstGeom>
+          <a:ln/>
+        </p:spPr>
+        <p:style>
+          <a:lnRef idx="3">
+            <a:schemeClr val="dk1"/>
+          </a:lnRef>
+          <a:fillRef idx="0">
+            <a:schemeClr val="dk1"/>
+          </a:fillRef>
+          <a:effectRef idx="2">
+            <a:schemeClr val="dk1"/>
+          </a:effectRef>
+          <a:fontRef idx="minor">
+            <a:schemeClr val="tx1"/>
+          </a:fontRef>
+        </p:style>
+      </p:cxnSp>
+      <p:cxnSp>
+        <p:nvCxnSpPr>
+          <p:cNvPr id="40" name="직선 화살표 연결선 39">
+            <a:extLst>
+              <a:ext uri="{FF2B5EF4-FFF2-40B4-BE49-F238E27FC236}">
+                <a16:creationId xmlns:a16="http://schemas.microsoft.com/office/drawing/2014/main" id="{80BF5CEE-864B-4CB6-8D2E-E2811201D555}"/>
+              </a:ext>
+            </a:extLst>
+          </p:cNvPr>
+          <p:cNvCxnSpPr>
+            <a:cxnSpLocks/>
+            <a:stCxn id="35" idx="2"/>
+          </p:cNvCxnSpPr>
+          <p:nvPr/>
+        </p:nvCxnSpPr>
+        <p:spPr>
+          <a:xfrm flipH="1">
+            <a:off x="1221098" y="5624337"/>
+            <a:ext cx="3260" cy="1512663"/>
+          </a:xfrm>
+          <a:prstGeom prst="straightConnector1">
+            <a:avLst/>
+          </a:prstGeom>
+          <a:ln>
+            <a:tailEnd type="triangle"/>
+          </a:ln>
+        </p:spPr>
+        <p:style>
+          <a:lnRef idx="1">
+            <a:schemeClr val="accent1"/>
+          </a:lnRef>
+          <a:fillRef idx="0">
+            <a:schemeClr val="accent1"/>
+          </a:fillRef>
+          <a:effectRef idx="0">
+            <a:schemeClr val="accent1"/>
+          </a:effectRef>
+          <a:fontRef idx="minor">
+            <a:schemeClr val="tx1"/>
+          </a:fontRef>
+        </p:style>
+      </p:cxnSp>
+      <p:cxnSp>
+        <p:nvCxnSpPr>
+          <p:cNvPr id="41" name="직선 화살표 연결선 40">
+            <a:extLst>
+              <a:ext uri="{FF2B5EF4-FFF2-40B4-BE49-F238E27FC236}">
+                <a16:creationId xmlns:a16="http://schemas.microsoft.com/office/drawing/2014/main" id="{713730C3-65F3-4A5B-8834-F8A1F1783113}"/>
+              </a:ext>
+            </a:extLst>
+          </p:cNvPr>
+          <p:cNvCxnSpPr>
+            <a:cxnSpLocks/>
+            <a:stCxn id="44" idx="2"/>
+          </p:cNvCxnSpPr>
+          <p:nvPr/>
+        </p:nvCxnSpPr>
+        <p:spPr>
+          <a:xfrm>
+            <a:off x="3948693" y="5059806"/>
+            <a:ext cx="0" cy="2077194"/>
+          </a:xfrm>
+          <a:prstGeom prst="straightConnector1">
+            <a:avLst/>
+          </a:prstGeom>
+          <a:ln>
+            <a:tailEnd type="triangle"/>
+          </a:ln>
+        </p:spPr>
+        <p:style>
+          <a:lnRef idx="1">
+            <a:schemeClr val="accent1"/>
+          </a:lnRef>
+          <a:fillRef idx="0">
+            <a:schemeClr val="accent1"/>
+          </a:fillRef>
+          <a:effectRef idx="0">
+            <a:schemeClr val="accent1"/>
+          </a:effectRef>
+          <a:fontRef idx="minor">
+            <a:schemeClr val="tx1"/>
+          </a:fontRef>
+        </p:style>
+      </p:cxnSp>
+      <p:cxnSp>
+        <p:nvCxnSpPr>
+          <p:cNvPr id="45" name="직선 화살표 연결선 44">
+            <a:extLst>
+              <a:ext uri="{FF2B5EF4-FFF2-40B4-BE49-F238E27FC236}">
+                <a16:creationId xmlns:a16="http://schemas.microsoft.com/office/drawing/2014/main" id="{456E4D03-0A39-483C-B11E-580DF131D297}"/>
+              </a:ext>
+            </a:extLst>
+          </p:cNvPr>
+          <p:cNvCxnSpPr>
+            <a:cxnSpLocks/>
+            <a:endCxn id="38" idx="0"/>
+          </p:cNvCxnSpPr>
+          <p:nvPr/>
+        </p:nvCxnSpPr>
+        <p:spPr>
+          <a:xfrm flipH="1">
+            <a:off x="2576363" y="7137000"/>
+            <a:ext cx="3566" cy="1066932"/>
+          </a:xfrm>
+          <a:prstGeom prst="straightConnector1">
+            <a:avLst/>
+          </a:prstGeom>
+          <a:ln>
+            <a:tailEnd type="triangle"/>
+          </a:ln>
+        </p:spPr>
+        <p:style>
+          <a:lnRef idx="2">
+            <a:schemeClr val="accent1"/>
+          </a:lnRef>
+          <a:fillRef idx="0">
+            <a:schemeClr val="accent1"/>
+          </a:fillRef>
+          <a:effectRef idx="1">
+            <a:schemeClr val="accent1"/>
+          </a:effectRef>
+          <a:fontRef idx="minor">
+            <a:schemeClr val="tx1"/>
+          </a:fontRef>
+        </p:style>
+      </p:cxnSp>
     </p:spTree>
     <p:extLst>
       <p:ext uri="{BB962C8B-B14F-4D97-AF65-F5344CB8AC3E}">
@@ -10440,49 +10514,6 @@
             <a:ext cx="0" cy="246161"/>
           </a:xfrm>
           <a:prstGeom prst="straightConnector1">
-            <a:avLst/>
-          </a:prstGeom>
-          <a:ln>
-            <a:tailEnd type="triangle"/>
-          </a:ln>
-        </p:spPr>
-        <p:style>
-          <a:lnRef idx="1">
-            <a:schemeClr val="accent1"/>
-          </a:lnRef>
-          <a:fillRef idx="0">
-            <a:schemeClr val="accent1"/>
-          </a:fillRef>
-          <a:effectRef idx="0">
-            <a:schemeClr val="accent1"/>
-          </a:effectRef>
-          <a:fontRef idx="minor">
-            <a:schemeClr val="tx1"/>
-          </a:fontRef>
-        </p:style>
-      </p:cxnSp>
-      <p:cxnSp>
-        <p:nvCxnSpPr>
-          <p:cNvPr id="24" name="연결선: 꺾임 23">
-            <a:extLst>
-              <a:ext uri="{FF2B5EF4-FFF2-40B4-BE49-F238E27FC236}">
-                <a16:creationId xmlns:a16="http://schemas.microsoft.com/office/drawing/2014/main" id="{A66B2711-931B-4F69-A0C1-F2A67556D0B7}"/>
-              </a:ext>
-            </a:extLst>
-          </p:cNvPr>
-          <p:cNvCxnSpPr>
-            <a:cxnSpLocks/>
-            <a:stCxn id="95" idx="2"/>
-            <a:endCxn id="17" idx="2"/>
-          </p:cNvCxnSpPr>
-          <p:nvPr/>
-        </p:nvCxnSpPr>
-        <p:spPr>
-          <a:xfrm rot="16200000" flipH="1">
-            <a:off x="552821" y="6784278"/>
-            <a:ext cx="2170338" cy="1255123"/>
-          </a:xfrm>
-          <a:prstGeom prst="bentConnector2">
             <a:avLst/>
           </a:prstGeom>
           <a:ln>
@@ -10911,85 +10942,6 @@
           </p:txBody>
         </p:sp>
       </p:grpSp>
-      <p:cxnSp>
-        <p:nvCxnSpPr>
-          <p:cNvPr id="51" name="연결선: 꺾임 50">
-            <a:extLst>
-              <a:ext uri="{FF2B5EF4-FFF2-40B4-BE49-F238E27FC236}">
-                <a16:creationId xmlns:a16="http://schemas.microsoft.com/office/drawing/2014/main" id="{A25E3EAB-3715-440E-9109-8D7196C94773}"/>
-              </a:ext>
-            </a:extLst>
-          </p:cNvPr>
-          <p:cNvCxnSpPr>
-            <a:cxnSpLocks/>
-            <a:stCxn id="43" idx="2"/>
-            <a:endCxn id="17" idx="6"/>
-          </p:cNvCxnSpPr>
-          <p:nvPr/>
-        </p:nvCxnSpPr>
-        <p:spPr>
-          <a:xfrm rot="5400000">
-            <a:off x="956597" y="5541234"/>
-            <a:ext cx="4886352" cy="1025198"/>
-          </a:xfrm>
-          <a:prstGeom prst="bentConnector2">
-            <a:avLst/>
-          </a:prstGeom>
-          <a:ln>
-            <a:tailEnd type="triangle"/>
-          </a:ln>
-        </p:spPr>
-        <p:style>
-          <a:lnRef idx="1">
-            <a:schemeClr val="accent1"/>
-          </a:lnRef>
-          <a:fillRef idx="0">
-            <a:schemeClr val="accent1"/>
-          </a:fillRef>
-          <a:effectRef idx="0">
-            <a:schemeClr val="accent1"/>
-          </a:effectRef>
-          <a:fontRef idx="minor">
-            <a:schemeClr val="tx1"/>
-          </a:fontRef>
-        </p:style>
-      </p:cxnSp>
-      <p:sp>
-        <p:nvSpPr>
-          <p:cNvPr id="59" name="TextBox 58">
-            <a:extLst>
-              <a:ext uri="{FF2B5EF4-FFF2-40B4-BE49-F238E27FC236}">
-                <a16:creationId xmlns:a16="http://schemas.microsoft.com/office/drawing/2014/main" id="{7E90BF56-BFC9-4AA0-A751-1F47F9DDE2EC}"/>
-              </a:ext>
-            </a:extLst>
-          </p:cNvPr>
-          <p:cNvSpPr txBox="1"/>
-          <p:nvPr/>
-        </p:nvSpPr>
-        <p:spPr>
-          <a:xfrm>
-            <a:off x="6045263" y="669137"/>
-            <a:ext cx="356188" cy="246221"/>
-          </a:xfrm>
-          <a:prstGeom prst="rect">
-            <a:avLst/>
-          </a:prstGeom>
-          <a:noFill/>
-        </p:spPr>
-        <p:txBody>
-          <a:bodyPr wrap="none" rtlCol="0">
-            <a:spAutoFit/>
-          </a:bodyPr>
-          <a:lstStyle/>
-          <a:p>
-            <a:r>
-              <a:rPr lang="en-US" altLang="ko-KR" sz="1000" dirty="0"/>
-              <a:t>yes</a:t>
-            </a:r>
-            <a:endParaRPr lang="en-US" altLang="ko-KR" sz="760" dirty="0"/>
-          </a:p>
-        </p:txBody>
-      </p:sp>
       <p:sp>
         <p:nvSpPr>
           <p:cNvPr id="60" name="TextBox 59">
@@ -11345,14 +11297,13 @@
           <p:cNvCxnSpPr>
             <a:cxnSpLocks/>
             <a:stCxn id="67" idx="2"/>
-            <a:endCxn id="17" idx="0"/>
           </p:cNvCxnSpPr>
           <p:nvPr/>
         </p:nvCxnSpPr>
         <p:spPr>
-          <a:xfrm>
-            <a:off x="2574862" y="4322314"/>
-            <a:ext cx="1501" cy="3881618"/>
+          <a:xfrm flipH="1">
+            <a:off x="2564128" y="4322314"/>
+            <a:ext cx="10734" cy="3084686"/>
           </a:xfrm>
           <a:prstGeom prst="straightConnector1">
             <a:avLst/>
@@ -11671,6 +11622,168 @@
           </a:p>
         </p:txBody>
       </p:sp>
+      <p:cxnSp>
+        <p:nvCxnSpPr>
+          <p:cNvPr id="3" name="직선 연결선 2">
+            <a:extLst>
+              <a:ext uri="{FF2B5EF4-FFF2-40B4-BE49-F238E27FC236}">
+                <a16:creationId xmlns:a16="http://schemas.microsoft.com/office/drawing/2014/main" id="{72BD1970-CE71-474B-9682-BE30B1BC9E89}"/>
+              </a:ext>
+            </a:extLst>
+          </p:cNvPr>
+          <p:cNvCxnSpPr/>
+          <p:nvPr/>
+        </p:nvCxnSpPr>
+        <p:spPr>
+          <a:xfrm>
+            <a:off x="244787" y="7407000"/>
+            <a:ext cx="4171963" cy="0"/>
+          </a:xfrm>
+          <a:prstGeom prst="line">
+            <a:avLst/>
+          </a:prstGeom>
+        </p:spPr>
+        <p:style>
+          <a:lnRef idx="3">
+            <a:schemeClr val="dk1"/>
+          </a:lnRef>
+          <a:fillRef idx="0">
+            <a:schemeClr val="dk1"/>
+          </a:fillRef>
+          <a:effectRef idx="2">
+            <a:schemeClr val="dk1"/>
+          </a:effectRef>
+          <a:fontRef idx="minor">
+            <a:schemeClr val="tx1"/>
+          </a:fontRef>
+        </p:style>
+      </p:cxnSp>
+      <p:cxnSp>
+        <p:nvCxnSpPr>
+          <p:cNvPr id="48" name="직선 화살표 연결선 47">
+            <a:extLst>
+              <a:ext uri="{FF2B5EF4-FFF2-40B4-BE49-F238E27FC236}">
+                <a16:creationId xmlns:a16="http://schemas.microsoft.com/office/drawing/2014/main" id="{7B188A77-B826-4E46-A699-63030DDFDB53}"/>
+              </a:ext>
+            </a:extLst>
+          </p:cNvPr>
+          <p:cNvCxnSpPr>
+            <a:cxnSpLocks/>
+            <a:stCxn id="43" idx="2"/>
+          </p:cNvCxnSpPr>
+          <p:nvPr/>
+        </p:nvCxnSpPr>
+        <p:spPr>
+          <a:xfrm>
+            <a:off x="3912372" y="3610657"/>
+            <a:ext cx="7196" cy="3796343"/>
+          </a:xfrm>
+          <a:prstGeom prst="straightConnector1">
+            <a:avLst/>
+          </a:prstGeom>
+          <a:ln>
+            <a:tailEnd type="triangle"/>
+          </a:ln>
+        </p:spPr>
+        <p:style>
+          <a:lnRef idx="1">
+            <a:schemeClr val="accent1"/>
+          </a:lnRef>
+          <a:fillRef idx="0">
+            <a:schemeClr val="accent1"/>
+          </a:fillRef>
+          <a:effectRef idx="0">
+            <a:schemeClr val="accent1"/>
+          </a:effectRef>
+          <a:fontRef idx="minor">
+            <a:schemeClr val="tx1"/>
+          </a:fontRef>
+        </p:style>
+      </p:cxnSp>
+      <p:cxnSp>
+        <p:nvCxnSpPr>
+          <p:cNvPr id="49" name="직선 화살표 연결선 48">
+            <a:extLst>
+              <a:ext uri="{FF2B5EF4-FFF2-40B4-BE49-F238E27FC236}">
+                <a16:creationId xmlns:a16="http://schemas.microsoft.com/office/drawing/2014/main" id="{6D3CD78C-13F0-452B-9B7A-9A48648BD81B}"/>
+              </a:ext>
+            </a:extLst>
+          </p:cNvPr>
+          <p:cNvCxnSpPr>
+            <a:cxnSpLocks/>
+            <a:stCxn id="95" idx="2"/>
+          </p:cNvCxnSpPr>
+          <p:nvPr/>
+        </p:nvCxnSpPr>
+        <p:spPr>
+          <a:xfrm>
+            <a:off x="1010429" y="6326671"/>
+            <a:ext cx="0" cy="1080329"/>
+          </a:xfrm>
+          <a:prstGeom prst="straightConnector1">
+            <a:avLst/>
+          </a:prstGeom>
+          <a:ln>
+            <a:tailEnd type="triangle"/>
+          </a:ln>
+        </p:spPr>
+        <p:style>
+          <a:lnRef idx="1">
+            <a:schemeClr val="accent1"/>
+          </a:lnRef>
+          <a:fillRef idx="0">
+            <a:schemeClr val="accent1"/>
+          </a:fillRef>
+          <a:effectRef idx="0">
+            <a:schemeClr val="accent1"/>
+          </a:effectRef>
+          <a:fontRef idx="minor">
+            <a:schemeClr val="tx1"/>
+          </a:fontRef>
+        </p:style>
+      </p:cxnSp>
+      <p:cxnSp>
+        <p:nvCxnSpPr>
+          <p:cNvPr id="53" name="직선 화살표 연결선 52">
+            <a:extLst>
+              <a:ext uri="{FF2B5EF4-FFF2-40B4-BE49-F238E27FC236}">
+                <a16:creationId xmlns:a16="http://schemas.microsoft.com/office/drawing/2014/main" id="{F4F7D7D6-7E91-4567-AC7B-CFE7607CF115}"/>
+              </a:ext>
+            </a:extLst>
+          </p:cNvPr>
+          <p:cNvCxnSpPr>
+            <a:cxnSpLocks/>
+            <a:endCxn id="17" idx="0"/>
+          </p:cNvCxnSpPr>
+          <p:nvPr/>
+        </p:nvCxnSpPr>
+        <p:spPr>
+          <a:xfrm>
+            <a:off x="2571751" y="7407000"/>
+            <a:ext cx="4612" cy="796932"/>
+          </a:xfrm>
+          <a:prstGeom prst="straightConnector1">
+            <a:avLst/>
+          </a:prstGeom>
+          <a:ln>
+            <a:tailEnd type="triangle"/>
+          </a:ln>
+        </p:spPr>
+        <p:style>
+          <a:lnRef idx="3">
+            <a:schemeClr val="accent1"/>
+          </a:lnRef>
+          <a:fillRef idx="0">
+            <a:schemeClr val="accent1"/>
+          </a:fillRef>
+          <a:effectRef idx="2">
+            <a:schemeClr val="accent1"/>
+          </a:effectRef>
+          <a:fontRef idx="minor">
+            <a:schemeClr val="tx1"/>
+          </a:fontRef>
+        </p:style>
+      </p:cxnSp>
     </p:spTree>
     <p:extLst>
       <p:ext uri="{BB962C8B-B14F-4D97-AF65-F5344CB8AC3E}">
@@ -12825,19 +12938,16 @@
           <p:cNvCxnSpPr>
             <a:cxnSpLocks/>
             <a:stCxn id="48" idx="3"/>
-            <a:endCxn id="11" idx="6"/>
           </p:cNvCxnSpPr>
           <p:nvPr/>
         </p:nvCxnSpPr>
         <p:spPr>
-          <a:xfrm flipH="1">
-            <a:off x="2887174" y="1987827"/>
-            <a:ext cx="450216" cy="6509182"/>
-          </a:xfrm>
-          <a:prstGeom prst="bentConnector3">
-            <a:avLst>
-              <a:gd name="adj1" fmla="val -311706"/>
-            </a:avLst>
+          <a:xfrm>
+            <a:off x="3337390" y="1987827"/>
+            <a:ext cx="646670" cy="5374173"/>
+          </a:xfrm>
+          <a:prstGeom prst="bentConnector2">
+            <a:avLst/>
           </a:prstGeom>
           <a:ln>
             <a:tailEnd type="triangle"/>
@@ -12951,7 +13061,7 @@
         </p:nvSpPr>
         <p:spPr>
           <a:xfrm>
-            <a:off x="3926540" y="1738999"/>
+            <a:off x="3503484" y="1741605"/>
             <a:ext cx="352982" cy="246221"/>
           </a:xfrm>
           <a:prstGeom prst="rect">
@@ -13306,14 +13416,13 @@
           <p:cNvCxnSpPr>
             <a:cxnSpLocks/>
             <a:stCxn id="113" idx="2"/>
-            <a:endCxn id="11" idx="1"/>
           </p:cNvCxnSpPr>
           <p:nvPr/>
         </p:nvCxnSpPr>
         <p:spPr>
-          <a:xfrm rot="16200000" flipH="1">
-            <a:off x="736204" y="6669389"/>
-            <a:ext cx="2590363" cy="650401"/>
+          <a:xfrm rot="5400000">
+            <a:off x="874890" y="6530704"/>
+            <a:ext cx="1662591" cy="1"/>
           </a:xfrm>
           <a:prstGeom prst="bentConnector3">
             <a:avLst>
@@ -13351,17 +13460,18 @@
           <p:cNvCxnSpPr>
             <a:cxnSpLocks/>
             <a:stCxn id="66" idx="2"/>
-            <a:endCxn id="11" idx="2"/>
           </p:cNvCxnSpPr>
           <p:nvPr/>
         </p:nvCxnSpPr>
         <p:spPr>
           <a:xfrm rot="16200000" flipH="1">
-            <a:off x="-712963" y="5518493"/>
-            <a:ext cx="4522313" cy="1434718"/>
-          </a:xfrm>
-          <a:prstGeom prst="bentConnector2">
-            <a:avLst/>
+            <a:off x="-862818" y="5668348"/>
+            <a:ext cx="3387306" cy="2"/>
+          </a:xfrm>
+          <a:prstGeom prst="bentConnector3">
+            <a:avLst>
+              <a:gd name="adj1" fmla="val 50000"/>
+            </a:avLst>
           </a:prstGeom>
           <a:ln>
             <a:tailEnd type="triangle"/>
@@ -13394,14 +13504,13 @@
           <p:cNvCxnSpPr>
             <a:cxnSpLocks/>
             <a:stCxn id="62" idx="2"/>
-            <a:endCxn id="11" idx="0"/>
           </p:cNvCxnSpPr>
           <p:nvPr/>
         </p:nvCxnSpPr>
         <p:spPr>
           <a:xfrm flipH="1">
-            <a:off x="2576363" y="4801042"/>
-            <a:ext cx="5170" cy="3402890"/>
+            <a:off x="2564129" y="4801042"/>
+            <a:ext cx="17404" cy="2584174"/>
           </a:xfrm>
           <a:prstGeom prst="straightConnector1">
             <a:avLst/>
@@ -13612,6 +13721,83 @@
           </a:p>
         </p:txBody>
       </p:sp>
+      <p:cxnSp>
+        <p:nvCxnSpPr>
+          <p:cNvPr id="16" name="직선 연결선 15">
+            <a:extLst>
+              <a:ext uri="{FF2B5EF4-FFF2-40B4-BE49-F238E27FC236}">
+                <a16:creationId xmlns:a16="http://schemas.microsoft.com/office/drawing/2014/main" id="{32892F46-E1CF-4664-A31E-B6F9A83CD53D}"/>
+              </a:ext>
+            </a:extLst>
+          </p:cNvPr>
+          <p:cNvCxnSpPr/>
+          <p:nvPr/>
+        </p:nvCxnSpPr>
+        <p:spPr>
+          <a:xfrm>
+            <a:off x="383634" y="7362000"/>
+            <a:ext cx="4545000" cy="0"/>
+          </a:xfrm>
+          <a:prstGeom prst="line">
+            <a:avLst/>
+          </a:prstGeom>
+        </p:spPr>
+        <p:style>
+          <a:lnRef idx="3">
+            <a:schemeClr val="dk1"/>
+          </a:lnRef>
+          <a:fillRef idx="0">
+            <a:schemeClr val="dk1"/>
+          </a:fillRef>
+          <a:effectRef idx="2">
+            <a:schemeClr val="dk1"/>
+          </a:effectRef>
+          <a:fontRef idx="minor">
+            <a:schemeClr val="tx1"/>
+          </a:fontRef>
+        </p:style>
+      </p:cxnSp>
+      <p:cxnSp>
+        <p:nvCxnSpPr>
+          <p:cNvPr id="23" name="직선 화살표 연결선 22">
+            <a:extLst>
+              <a:ext uri="{FF2B5EF4-FFF2-40B4-BE49-F238E27FC236}">
+                <a16:creationId xmlns:a16="http://schemas.microsoft.com/office/drawing/2014/main" id="{7FAE27A6-B72A-43D9-A78C-D3301CBC6E08}"/>
+              </a:ext>
+            </a:extLst>
+          </p:cNvPr>
+          <p:cNvCxnSpPr>
+            <a:endCxn id="11" idx="0"/>
+          </p:cNvCxnSpPr>
+          <p:nvPr/>
+        </p:nvCxnSpPr>
+        <p:spPr>
+          <a:xfrm>
+            <a:off x="2564129" y="7362000"/>
+            <a:ext cx="12234" cy="841932"/>
+          </a:xfrm>
+          <a:prstGeom prst="straightConnector1">
+            <a:avLst/>
+          </a:prstGeom>
+          <a:ln>
+            <a:tailEnd type="triangle"/>
+          </a:ln>
+        </p:spPr>
+        <p:style>
+          <a:lnRef idx="1">
+            <a:schemeClr val="accent1"/>
+          </a:lnRef>
+          <a:fillRef idx="0">
+            <a:schemeClr val="accent1"/>
+          </a:fillRef>
+          <a:effectRef idx="0">
+            <a:schemeClr val="accent1"/>
+          </a:effectRef>
+          <a:fontRef idx="minor">
+            <a:schemeClr val="tx1"/>
+          </a:fontRef>
+        </p:style>
+      </p:cxnSp>
     </p:spTree>
     <p:extLst>
       <p:ext uri="{BB962C8B-B14F-4D97-AF65-F5344CB8AC3E}">

--- a/소공 설계서/액티비티 다이어그램.pptx
+++ b/소공 설계서/액티비티 다이어그램.pptx
@@ -6662,7 +6662,7 @@
             <a:pPr algn="ctr"/>
             <a:r>
               <a:rPr lang="ko-KR" altLang="en-US" sz="800" dirty="0"/>
-              <a:t>카드결제사 별고로 </a:t>
+              <a:t>카드결제사 별로 </a:t>
             </a:r>
             <a:endParaRPr lang="en-US" altLang="ko-KR" sz="800" dirty="0"/>
           </a:p>
@@ -9907,48 +9907,6 @@
           </a:fontRef>
         </p:style>
       </p:cxnSp>
-      <p:cxnSp>
-        <p:nvCxnSpPr>
-          <p:cNvPr id="176" name="직선 화살표 연결선 175">
-            <a:extLst>
-              <a:ext uri="{FF2B5EF4-FFF2-40B4-BE49-F238E27FC236}">
-                <a16:creationId xmlns:a16="http://schemas.microsoft.com/office/drawing/2014/main" id="{FD161E69-131B-4F1A-9284-D68022148654}"/>
-              </a:ext>
-            </a:extLst>
-          </p:cNvPr>
-          <p:cNvCxnSpPr>
-            <a:cxnSpLocks/>
-            <a:stCxn id="15" idx="3"/>
-          </p:cNvCxnSpPr>
-          <p:nvPr/>
-        </p:nvCxnSpPr>
-        <p:spPr>
-          <a:xfrm flipV="1">
-            <a:off x="3344326" y="5131693"/>
-            <a:ext cx="1215652" cy="1"/>
-          </a:xfrm>
-          <a:prstGeom prst="straightConnector1">
-            <a:avLst/>
-          </a:prstGeom>
-          <a:ln>
-            <a:tailEnd type="triangle"/>
-          </a:ln>
-        </p:spPr>
-        <p:style>
-          <a:lnRef idx="1">
-            <a:schemeClr val="accent1"/>
-          </a:lnRef>
-          <a:fillRef idx="0">
-            <a:schemeClr val="accent1"/>
-          </a:fillRef>
-          <a:effectRef idx="0">
-            <a:schemeClr val="accent1"/>
-          </a:effectRef>
-          <a:fontRef idx="minor">
-            <a:schemeClr val="tx1"/>
-          </a:fontRef>
-        </p:style>
-      </p:cxnSp>
       <p:sp>
         <p:nvSpPr>
           <p:cNvPr id="179" name="TextBox 178">
@@ -9963,7 +9921,7 @@
         </p:nvSpPr>
         <p:spPr>
           <a:xfrm>
-            <a:off x="3560782" y="5137650"/>
+            <a:off x="1082778" y="5114515"/>
             <a:ext cx="352982" cy="246221"/>
           </a:xfrm>
           <a:prstGeom prst="rect">
@@ -10060,6 +10018,51 @@
           </a:xfrm>
           <a:prstGeom prst="straightConnector1">
             <a:avLst/>
+          </a:prstGeom>
+          <a:ln>
+            <a:tailEnd type="triangle"/>
+          </a:ln>
+        </p:spPr>
+        <p:style>
+          <a:lnRef idx="1">
+            <a:schemeClr val="accent1"/>
+          </a:lnRef>
+          <a:fillRef idx="0">
+            <a:schemeClr val="accent1"/>
+          </a:fillRef>
+          <a:effectRef idx="0">
+            <a:schemeClr val="accent1"/>
+          </a:effectRef>
+          <a:fontRef idx="minor">
+            <a:schemeClr val="tx1"/>
+          </a:fontRef>
+        </p:style>
+      </p:cxnSp>
+      <p:cxnSp>
+        <p:nvCxnSpPr>
+          <p:cNvPr id="30" name="연결선: 꺾임 29">
+            <a:extLst>
+              <a:ext uri="{FF2B5EF4-FFF2-40B4-BE49-F238E27FC236}">
+                <a16:creationId xmlns:a16="http://schemas.microsoft.com/office/drawing/2014/main" id="{60E9675B-A2E9-402E-9284-EDBBDD8FB377}"/>
+              </a:ext>
+            </a:extLst>
+          </p:cNvPr>
+          <p:cNvCxnSpPr>
+            <a:cxnSpLocks/>
+            <a:stCxn id="15" idx="1"/>
+            <a:endCxn id="19" idx="1"/>
+          </p:cNvCxnSpPr>
+          <p:nvPr/>
+        </p:nvCxnSpPr>
+        <p:spPr>
+          <a:xfrm rot="10800000">
+            <a:off x="1818265" y="3184554"/>
+            <a:ext cx="1302" cy="1947141"/>
+          </a:xfrm>
+          <a:prstGeom prst="bentConnector3">
+            <a:avLst>
+              <a:gd name="adj1" fmla="val 65042012"/>
+            </a:avLst>
           </a:prstGeom>
           <a:ln>
             <a:tailEnd type="triangle"/>
@@ -10482,7 +10485,7 @@
             <a:pPr algn="ctr"/>
             <a:r>
               <a:rPr lang="ko-KR" altLang="en-US" sz="800" dirty="0"/>
-              <a:t>사용자가 발급받은 코드를 티켓 판매기에 입력한다</a:t>
+              <a:t>사용자가 발급받은 코드를 티켓 판매기에서 입력한다</a:t>
             </a:r>
             <a:r>
               <a:rPr lang="en-US" altLang="ko-KR" sz="800" dirty="0"/>
@@ -11510,18 +11513,18 @@
           <p:cNvCxnSpPr>
             <a:cxnSpLocks/>
             <a:stCxn id="95" idx="1"/>
-            <a:endCxn id="33" idx="1"/>
+            <a:endCxn id="20" idx="1"/>
           </p:cNvCxnSpPr>
           <p:nvPr/>
         </p:nvCxnSpPr>
         <p:spPr>
           <a:xfrm rot="10800000" flipH="1">
-            <a:off x="411838" y="2411726"/>
-            <a:ext cx="152840" cy="3735110"/>
+            <a:off x="411838" y="1183596"/>
+            <a:ext cx="1386650" cy="4963240"/>
           </a:xfrm>
           <a:prstGeom prst="bentConnector3">
             <a:avLst>
-              <a:gd name="adj1" fmla="val -149568"/>
+              <a:gd name="adj1" fmla="val -16486"/>
             </a:avLst>
           </a:prstGeom>
           <a:ln>

--- a/소공 설계서/액티비티 다이어그램.pptx
+++ b/소공 설계서/액티비티 다이어그램.pptx
@@ -3376,7 +3376,7 @@
         </p:nvSpPr>
         <p:spPr>
           <a:xfrm>
-            <a:off x="184275" y="2910690"/>
+            <a:off x="2137453" y="2910690"/>
             <a:ext cx="879809" cy="378994"/>
           </a:xfrm>
           <a:prstGeom prst="diamond">
@@ -3427,7 +3427,7 @@
         </p:nvCxnSpPr>
         <p:spPr>
           <a:xfrm>
-            <a:off x="624180" y="1456097"/>
+            <a:off x="2577358" y="1456097"/>
             <a:ext cx="0" cy="271512"/>
           </a:xfrm>
           <a:prstGeom prst="straightConnector1">
@@ -3470,7 +3470,7 @@
         </p:nvCxnSpPr>
         <p:spPr>
           <a:xfrm>
-            <a:off x="624179" y="716045"/>
+            <a:off x="2577357" y="716045"/>
             <a:ext cx="1" cy="362128"/>
           </a:xfrm>
           <a:prstGeom prst="straightConnector1">
@@ -3513,7 +3513,7 @@
         </p:nvCxnSpPr>
         <p:spPr>
           <a:xfrm>
-            <a:off x="624180" y="2105533"/>
+            <a:off x="2577358" y="2105533"/>
             <a:ext cx="0" cy="805157"/>
           </a:xfrm>
           <a:prstGeom prst="straightConnector1">
@@ -3556,7 +3556,7 @@
         </p:nvCxnSpPr>
         <p:spPr>
           <a:xfrm>
-            <a:off x="1064084" y="3100187"/>
+            <a:off x="3017262" y="3100187"/>
             <a:ext cx="711608" cy="535"/>
           </a:xfrm>
           <a:prstGeom prst="straightConnector1">
@@ -3595,7 +3595,7 @@
         </p:nvSpPr>
         <p:spPr>
           <a:xfrm>
-            <a:off x="1300627" y="2307625"/>
+            <a:off x="3217414" y="2910690"/>
             <a:ext cx="311304" cy="209288"/>
           </a:xfrm>
           <a:prstGeom prst="rect">
@@ -3630,7 +3630,7 @@
         </p:nvSpPr>
         <p:spPr>
           <a:xfrm>
-            <a:off x="361130" y="3698143"/>
+            <a:off x="2314308" y="3698143"/>
             <a:ext cx="341760" cy="209288"/>
           </a:xfrm>
           <a:prstGeom prst="rect">
@@ -3669,7 +3669,7 @@
         </p:nvCxnSpPr>
         <p:spPr>
           <a:xfrm>
-            <a:off x="2267802" y="3289684"/>
+            <a:off x="4220980" y="3289684"/>
             <a:ext cx="0" cy="1807141"/>
           </a:xfrm>
           <a:prstGeom prst="straightConnector1">
@@ -3708,7 +3708,7 @@
         </p:nvSpPr>
         <p:spPr>
           <a:xfrm>
-            <a:off x="2004928" y="259950"/>
+            <a:off x="4009856" y="129892"/>
             <a:ext cx="1133644" cy="377924"/>
           </a:xfrm>
           <a:prstGeom prst="rect">
@@ -3752,7 +3752,7 @@
         </p:nvSpPr>
         <p:spPr>
           <a:xfrm>
-            <a:off x="132070" y="1078173"/>
+            <a:off x="2085248" y="1078173"/>
             <a:ext cx="984220" cy="377924"/>
           </a:xfrm>
           <a:prstGeom prst="roundRect">
@@ -3804,7 +3804,7 @@
         </p:nvSpPr>
         <p:spPr>
           <a:xfrm>
-            <a:off x="132070" y="1727609"/>
+            <a:off x="2085248" y="1727609"/>
             <a:ext cx="984220" cy="377924"/>
           </a:xfrm>
           <a:prstGeom prst="roundRect">
@@ -3856,7 +3856,7 @@
         </p:nvSpPr>
         <p:spPr>
           <a:xfrm>
-            <a:off x="1775692" y="2911760"/>
+            <a:off x="3728870" y="2911760"/>
             <a:ext cx="984220" cy="377924"/>
           </a:xfrm>
           <a:prstGeom prst="roundRect">
@@ -3908,7 +3908,7 @@
         </p:nvSpPr>
         <p:spPr>
           <a:xfrm>
-            <a:off x="1775692" y="5096825"/>
+            <a:off x="3728870" y="5096825"/>
             <a:ext cx="984220" cy="377924"/>
           </a:xfrm>
           <a:prstGeom prst="roundRect">
@@ -3960,7 +3960,7 @@
         </p:nvSpPr>
         <p:spPr>
           <a:xfrm>
-            <a:off x="132070" y="5066013"/>
+            <a:off x="2085248" y="5066013"/>
             <a:ext cx="984220" cy="377924"/>
           </a:xfrm>
           <a:prstGeom prst="roundRect">
@@ -4023,7 +4023,7 @@
         </p:nvCxnSpPr>
         <p:spPr>
           <a:xfrm>
-            <a:off x="624180" y="3289684"/>
+            <a:off x="2577358" y="3289684"/>
             <a:ext cx="0" cy="1776329"/>
           </a:xfrm>
           <a:prstGeom prst="straightConnector1">
@@ -4066,7 +4066,7 @@
         </p:nvCxnSpPr>
         <p:spPr>
           <a:xfrm flipH="1">
-            <a:off x="620840" y="5443937"/>
+            <a:off x="2574018" y="5443937"/>
             <a:ext cx="3340" cy="1787874"/>
           </a:xfrm>
           <a:prstGeom prst="straightConnector1">
@@ -4103,13 +4103,14 @@
           <p:cNvCxnSpPr>
             <a:cxnSpLocks/>
             <a:stCxn id="57" idx="2"/>
+            <a:endCxn id="33" idx="6"/>
           </p:cNvCxnSpPr>
           <p:nvPr/>
         </p:nvCxnSpPr>
         <p:spPr>
           <a:xfrm rot="5400000">
-            <a:off x="917199" y="5215588"/>
-            <a:ext cx="1091443" cy="1609765"/>
+            <a:off x="2527836" y="5831743"/>
+            <a:ext cx="2050139" cy="1336151"/>
           </a:xfrm>
           <a:prstGeom prst="bentConnector2">
             <a:avLst/>
@@ -4147,7 +4148,7 @@
         </p:nvSpPr>
         <p:spPr>
           <a:xfrm>
-            <a:off x="313368" y="129892"/>
+            <a:off x="2266546" y="129892"/>
             <a:ext cx="621622" cy="586153"/>
           </a:xfrm>
           <a:prstGeom prst="ellipse">
@@ -4193,7 +4194,7 @@
         </p:nvSpPr>
         <p:spPr>
           <a:xfrm>
-            <a:off x="310029" y="7231811"/>
+            <a:off x="2263207" y="7231811"/>
             <a:ext cx="621622" cy="586153"/>
           </a:xfrm>
           <a:prstGeom prst="ellipse">
@@ -4242,7 +4243,7 @@
         </p:nvSpPr>
         <p:spPr>
           <a:xfrm>
-            <a:off x="455074" y="7368579"/>
+            <a:off x="2408252" y="7368579"/>
             <a:ext cx="331531" cy="312615"/>
           </a:xfrm>
           <a:prstGeom prst="ellipse">
@@ -4318,7 +4319,7 @@
         </p:nvSpPr>
         <p:spPr>
           <a:xfrm>
-            <a:off x="1210951" y="515216"/>
+            <a:off x="4154839" y="111361"/>
             <a:ext cx="966931" cy="326115"/>
           </a:xfrm>
           <a:prstGeom prst="rect">
@@ -5849,7 +5850,7 @@
         </p:nvSpPr>
         <p:spPr>
           <a:xfrm>
-            <a:off x="3502841" y="288145"/>
+            <a:off x="4567701" y="107001"/>
             <a:ext cx="575799" cy="326115"/>
           </a:xfrm>
           <a:prstGeom prst="rect">
@@ -6352,7 +6353,7 @@
           </a:xfrm>
           <a:prstGeom prst="bentConnector3">
             <a:avLst>
-              <a:gd name="adj1" fmla="val 50000"/>
+              <a:gd name="adj1" fmla="val 51375"/>
             </a:avLst>
           </a:prstGeom>
           <a:ln>
@@ -7524,7 +7525,7 @@
         </p:nvSpPr>
         <p:spPr>
           <a:xfrm>
-            <a:off x="3372895" y="349105"/>
+            <a:off x="4423172" y="147553"/>
             <a:ext cx="575799" cy="326115"/>
           </a:xfrm>
           <a:prstGeom prst="rect">
@@ -7599,7 +7600,7 @@
         </p:nvSpPr>
         <p:spPr>
           <a:xfrm>
-            <a:off x="4170224" y="5222865"/>
+            <a:off x="4032301" y="5225319"/>
             <a:ext cx="319318" cy="246221"/>
           </a:xfrm>
           <a:prstGeom prst="rect">
@@ -8643,7 +8644,7 @@
         </p:nvCxnSpPr>
         <p:spPr>
           <a:xfrm>
-            <a:off x="0" y="7137000"/>
+            <a:off x="153593" y="7137000"/>
             <a:ext cx="4489542" cy="0"/>
           </a:xfrm>
           <a:prstGeom prst="line">
@@ -8792,6 +8793,42 @@
           </a:fontRef>
         </p:style>
       </p:cxnSp>
+      <p:sp>
+        <p:nvSpPr>
+          <p:cNvPr id="37" name="TextBox 36">
+            <a:extLst>
+              <a:ext uri="{FF2B5EF4-FFF2-40B4-BE49-F238E27FC236}">
+                <a16:creationId xmlns:a16="http://schemas.microsoft.com/office/drawing/2014/main" id="{8EAE9E1A-6FA0-442C-A99E-7C55DF7246EC}"/>
+              </a:ext>
+            </a:extLst>
+          </p:cNvPr>
+          <p:cNvSpPr txBox="1"/>
+          <p:nvPr/>
+        </p:nvSpPr>
+        <p:spPr>
+          <a:xfrm>
+            <a:off x="3552577" y="2148156"/>
+            <a:ext cx="352982" cy="246221"/>
+          </a:xfrm>
+          <a:prstGeom prst="rect">
+            <a:avLst/>
+          </a:prstGeom>
+          <a:noFill/>
+        </p:spPr>
+        <p:txBody>
+          <a:bodyPr wrap="none" rtlCol="0">
+            <a:spAutoFit/>
+          </a:bodyPr>
+          <a:lstStyle/>
+          <a:p>
+            <a:r>
+              <a:rPr lang="en-US" altLang="ko-KR" sz="1000" dirty="0"/>
+              <a:t>NO</a:t>
+            </a:r>
+            <a:endParaRPr lang="en-US" altLang="ko-KR" sz="760" dirty="0"/>
+          </a:p>
+        </p:txBody>
+      </p:sp>
     </p:spTree>
     <p:extLst>
       <p:ext uri="{BB962C8B-B14F-4D97-AF65-F5344CB8AC3E}">
@@ -8836,7 +8873,7 @@
         </p:nvSpPr>
         <p:spPr>
           <a:xfrm>
-            <a:off x="917810" y="257665"/>
+            <a:off x="3561315" y="291116"/>
             <a:ext cx="966931" cy="326115"/>
           </a:xfrm>
           <a:prstGeom prst="rect">
@@ -10127,7 +10164,7 @@
         </p:nvSpPr>
         <p:spPr>
           <a:xfrm>
-            <a:off x="917810" y="257665"/>
+            <a:off x="3573768" y="292338"/>
             <a:ext cx="966931" cy="326115"/>
           </a:xfrm>
           <a:prstGeom prst="rect">
@@ -11639,7 +11676,7 @@
         </p:nvCxnSpPr>
         <p:spPr>
           <a:xfrm>
-            <a:off x="244787" y="7407000"/>
+            <a:off x="244787" y="7437840"/>
             <a:ext cx="4171963" cy="0"/>
           </a:xfrm>
           <a:prstGeom prst="line">
@@ -11762,8 +11799,8 @@
         </p:nvCxnSpPr>
         <p:spPr>
           <a:xfrm>
-            <a:off x="2571751" y="7407000"/>
-            <a:ext cx="4612" cy="796932"/>
+            <a:off x="2576363" y="7437840"/>
+            <a:ext cx="0" cy="766092"/>
           </a:xfrm>
           <a:prstGeom prst="straightConnector1">
             <a:avLst/>
@@ -12067,7 +12104,7 @@
         </p:nvSpPr>
         <p:spPr>
           <a:xfrm>
-            <a:off x="917810" y="257665"/>
+            <a:off x="3660725" y="298069"/>
             <a:ext cx="1010213" cy="326115"/>
           </a:xfrm>
           <a:prstGeom prst="rect">
